--- a/rocker_app/static/description/Rocker_PowerPoint_User_Guide.pptx
+++ b/rocker_app/static/description/Rocker_PowerPoint_User_Guide.pptx
@@ -4802,7 +4802,7 @@
           <a:p>
             <a:fld id="{2BA53152-5DF5-4979-A537-0FE8AB80BD2D}" type="datetimeFigureOut">
               <a:rPr lang="fi-FI" smtClean="0"/>
-              <a:t>19.3.2020</a:t>
+              <a:t>28.1.2021</a:t>
             </a:fld>
             <a:endParaRPr lang="fi-FI"/>
           </a:p>
@@ -5030,7 +5030,7 @@
           <a:p>
             <a:fld id="{2BA53152-5DF5-4979-A537-0FE8AB80BD2D}" type="datetimeFigureOut">
               <a:rPr lang="fi-FI" smtClean="0"/>
-              <a:t>19.3.2020</a:t>
+              <a:t>28.1.2021</a:t>
             </a:fld>
             <a:endParaRPr lang="fi-FI"/>
           </a:p>
@@ -5431,7 +5431,7 @@
           <a:p>
             <a:fld id="{2BA53152-5DF5-4979-A537-0FE8AB80BD2D}" type="datetimeFigureOut">
               <a:rPr lang="fi-FI" smtClean="0"/>
-              <a:t>19.3.2020</a:t>
+              <a:t>28.1.2021</a:t>
             </a:fld>
             <a:endParaRPr lang="fi-FI"/>
           </a:p>
@@ -5767,7 +5767,7 @@
           <a:p>
             <a:fld id="{2BA53152-5DF5-4979-A537-0FE8AB80BD2D}" type="datetimeFigureOut">
               <a:rPr lang="fi-FI" smtClean="0"/>
-              <a:t>19.3.2020</a:t>
+              <a:t>28.1.2021</a:t>
             </a:fld>
             <a:endParaRPr lang="fi-FI"/>
           </a:p>
@@ -6087,7 +6087,7 @@
           <a:p>
             <a:fld id="{2BA53152-5DF5-4979-A537-0FE8AB80BD2D}" type="datetimeFigureOut">
               <a:rPr lang="fi-FI" smtClean="0"/>
-              <a:t>19.3.2020</a:t>
+              <a:t>28.1.2021</a:t>
             </a:fld>
             <a:endParaRPr lang="fi-FI"/>
           </a:p>
@@ -6483,7 +6483,7 @@
           <a:p>
             <a:fld id="{2BA53152-5DF5-4979-A537-0FE8AB80BD2D}" type="datetimeFigureOut">
               <a:rPr lang="fi-FI" smtClean="0"/>
-              <a:t>19.3.2020</a:t>
+              <a:t>28.1.2021</a:t>
             </a:fld>
             <a:endParaRPr lang="fi-FI"/>
           </a:p>
@@ -6740,7 +6740,7 @@
           <a:p>
             <a:fld id="{2BA53152-5DF5-4979-A537-0FE8AB80BD2D}" type="datetimeFigureOut">
               <a:rPr lang="fi-FI" smtClean="0"/>
-              <a:t>19.3.2020</a:t>
+              <a:t>28.1.2021</a:t>
             </a:fld>
             <a:endParaRPr lang="fi-FI"/>
           </a:p>
@@ -7002,7 +7002,7 @@
           <a:p>
             <a:fld id="{2BA53152-5DF5-4979-A537-0FE8AB80BD2D}" type="datetimeFigureOut">
               <a:rPr lang="fi-FI" smtClean="0"/>
-              <a:t>19.3.2020</a:t>
+              <a:t>28.1.2021</a:t>
             </a:fld>
             <a:endParaRPr lang="fi-FI"/>
           </a:p>
@@ -7324,7 +7324,7 @@
           <a:p>
             <a:fld id="{5BCAD085-E8A6-8845-BD4E-CB4CCA059FC4}" type="datetimeFigureOut">
               <a:rPr lang="en-US" smtClean="0"/>
-              <a:t>3/19/2020</a:t>
+              <a:t>1/28/2021</a:t>
             </a:fld>
             <a:endParaRPr lang="en-US"/>
           </a:p>
@@ -7492,7 +7492,7 @@
           <a:p>
             <a:fld id="{5BCAD085-E8A6-8845-BD4E-CB4CCA059FC4}" type="datetimeFigureOut">
               <a:rPr lang="en-US" smtClean="0"/>
-              <a:t>3/19/2020</a:t>
+              <a:t>1/28/2021</a:t>
             </a:fld>
             <a:endParaRPr lang="en-US"/>
           </a:p>
@@ -7737,7 +7737,7 @@
           <a:p>
             <a:fld id="{5BCAD085-E8A6-8845-BD4E-CB4CCA059FC4}" type="datetimeFigureOut">
               <a:rPr lang="en-US" smtClean="0"/>
-              <a:t>3/19/2020</a:t>
+              <a:t>1/28/2021</a:t>
             </a:fld>
             <a:endParaRPr lang="en-US"/>
           </a:p>
@@ -7917,7 +7917,7 @@
           <a:p>
             <a:fld id="{2BA53152-5DF5-4979-A537-0FE8AB80BD2D}" type="datetimeFigureOut">
               <a:rPr lang="fi-FI" smtClean="0"/>
-              <a:t>19.3.2020</a:t>
+              <a:t>28.1.2021</a:t>
             </a:fld>
             <a:endParaRPr lang="fi-FI"/>
           </a:p>
@@ -8209,7 +8209,7 @@
           <a:p>
             <a:fld id="{5BCAD085-E8A6-8845-BD4E-CB4CCA059FC4}" type="datetimeFigureOut">
               <a:rPr lang="en-US" smtClean="0"/>
-              <a:t>3/19/2020</a:t>
+              <a:t>1/28/2021</a:t>
             </a:fld>
             <a:endParaRPr lang="en-US"/>
           </a:p>
@@ -8628,7 +8628,7 @@
           <a:p>
             <a:fld id="{5BCAD085-E8A6-8845-BD4E-CB4CCA059FC4}" type="datetimeFigureOut">
               <a:rPr lang="en-US" smtClean="0"/>
-              <a:t>3/19/2020</a:t>
+              <a:t>1/28/2021</a:t>
             </a:fld>
             <a:endParaRPr lang="en-US"/>
           </a:p>
@@ -8745,7 +8745,7 @@
           <a:p>
             <a:fld id="{5BCAD085-E8A6-8845-BD4E-CB4CCA059FC4}" type="datetimeFigureOut">
               <a:rPr lang="en-US" smtClean="0"/>
-              <a:t>3/19/2020</a:t>
+              <a:t>1/28/2021</a:t>
             </a:fld>
             <a:endParaRPr lang="en-US"/>
           </a:p>
@@ -8840,7 +8840,7 @@
           <a:p>
             <a:fld id="{5BCAD085-E8A6-8845-BD4E-CB4CCA059FC4}" type="datetimeFigureOut">
               <a:rPr lang="en-US" smtClean="0"/>
-              <a:t>3/19/2020</a:t>
+              <a:t>1/28/2021</a:t>
             </a:fld>
             <a:endParaRPr lang="en-US"/>
           </a:p>
@@ -9115,7 +9115,7 @@
           <a:p>
             <a:fld id="{5BCAD085-E8A6-8845-BD4E-CB4CCA059FC4}" type="datetimeFigureOut">
               <a:rPr lang="en-US" smtClean="0"/>
-              <a:t>3/19/2020</a:t>
+              <a:t>1/28/2021</a:t>
             </a:fld>
             <a:endParaRPr lang="en-US"/>
           </a:p>
@@ -9367,7 +9367,7 @@
           <a:p>
             <a:fld id="{5BCAD085-E8A6-8845-BD4E-CB4CCA059FC4}" type="datetimeFigureOut">
               <a:rPr lang="en-US" smtClean="0"/>
-              <a:t>3/19/2020</a:t>
+              <a:t>1/28/2021</a:t>
             </a:fld>
             <a:endParaRPr lang="en-US"/>
           </a:p>
@@ -9535,7 +9535,7 @@
           <a:p>
             <a:fld id="{5BCAD085-E8A6-8845-BD4E-CB4CCA059FC4}" type="datetimeFigureOut">
               <a:rPr lang="en-US" smtClean="0"/>
-              <a:t>3/19/2020</a:t>
+              <a:t>1/28/2021</a:t>
             </a:fld>
             <a:endParaRPr lang="en-US"/>
           </a:p>
@@ -9713,7 +9713,7 @@
           <a:p>
             <a:fld id="{5BCAD085-E8A6-8845-BD4E-CB4CCA059FC4}" type="datetimeFigureOut">
               <a:rPr lang="en-US" smtClean="0"/>
-              <a:t>3/19/2020</a:t>
+              <a:t>1/28/2021</a:t>
             </a:fld>
             <a:endParaRPr lang="en-US"/>
           </a:p>
@@ -9960,7 +9960,7 @@
           <a:p>
             <a:fld id="{2BA53152-5DF5-4979-A537-0FE8AB80BD2D}" type="datetimeFigureOut">
               <a:rPr lang="fi-FI" smtClean="0"/>
-              <a:t>19.3.2020</a:t>
+              <a:t>28.1.2021</a:t>
             </a:fld>
             <a:endParaRPr lang="fi-FI"/>
           </a:p>
@@ -10283,7 +10283,7 @@
           <a:p>
             <a:fld id="{2BA53152-5DF5-4979-A537-0FE8AB80BD2D}" type="datetimeFigureOut">
               <a:rPr lang="fi-FI" smtClean="0"/>
-              <a:t>19.3.2020</a:t>
+              <a:t>28.1.2021</a:t>
             </a:fld>
             <a:endParaRPr lang="fi-FI"/>
           </a:p>
@@ -10740,7 +10740,7 @@
           <a:p>
             <a:fld id="{2BA53152-5DF5-4979-A537-0FE8AB80BD2D}" type="datetimeFigureOut">
               <a:rPr lang="fi-FI" smtClean="0"/>
-              <a:t>19.3.2020</a:t>
+              <a:t>28.1.2021</a:t>
             </a:fld>
             <a:endParaRPr lang="fi-FI"/>
           </a:p>
@@ -10945,7 +10945,7 @@
           <a:p>
             <a:fld id="{2BA53152-5DF5-4979-A537-0FE8AB80BD2D}" type="datetimeFigureOut">
               <a:rPr lang="fi-FI" smtClean="0"/>
-              <a:t>19.3.2020</a:t>
+              <a:t>28.1.2021</a:t>
             </a:fld>
             <a:endParaRPr lang="fi-FI"/>
           </a:p>
@@ -11047,7 +11047,7 @@
           <a:p>
             <a:fld id="{2BA53152-5DF5-4979-A537-0FE8AB80BD2D}" type="datetimeFigureOut">
               <a:rPr lang="fi-FI" smtClean="0"/>
-              <a:t>19.3.2020</a:t>
+              <a:t>28.1.2021</a:t>
             </a:fld>
             <a:endParaRPr lang="fi-FI"/>
           </a:p>
@@ -11380,7 +11380,7 @@
           <a:p>
             <a:fld id="{2BA53152-5DF5-4979-A537-0FE8AB80BD2D}" type="datetimeFigureOut">
               <a:rPr lang="fi-FI" smtClean="0"/>
-              <a:t>19.3.2020</a:t>
+              <a:t>28.1.2021</a:t>
             </a:fld>
             <a:endParaRPr lang="fi-FI"/>
           </a:p>
@@ -11725,7 +11725,7 @@
           <a:p>
             <a:fld id="{2BA53152-5DF5-4979-A537-0FE8AB80BD2D}" type="datetimeFigureOut">
               <a:rPr lang="fi-FI" smtClean="0"/>
-              <a:t>19.3.2020</a:t>
+              <a:t>28.1.2021</a:t>
             </a:fld>
             <a:endParaRPr lang="fi-FI"/>
           </a:p>
@@ -13842,7 +13842,7 @@
           <a:p>
             <a:fld id="{2BA53152-5DF5-4979-A537-0FE8AB80BD2D}" type="datetimeFigureOut">
               <a:rPr lang="fi-FI" smtClean="0"/>
-              <a:t>19.3.2020</a:t>
+              <a:t>28.1.2021</a:t>
             </a:fld>
             <a:endParaRPr lang="fi-FI"/>
           </a:p>
@@ -14498,7 +14498,7 @@
           <a:p>
             <a:fld id="{5BCAD085-E8A6-8845-BD4E-CB4CCA059FC4}" type="datetimeFigureOut">
               <a:rPr lang="en-US" smtClean="0"/>
-              <a:t>3/19/2020</a:t>
+              <a:t>1/28/2021</a:t>
             </a:fld>
             <a:endParaRPr lang="en-US"/>
           </a:p>
@@ -14902,7 +14902,7 @@
             </a:r>
             <a:r>
               <a:rPr lang="fi-FI" sz="4400" dirty="0"/>
-              <a:t> Reporting V2</a:t>
+              <a:t> Reporting V3</a:t>
             </a:r>
             <a:endParaRPr lang="en-US" sz="4400" dirty="0"/>
           </a:p>
@@ -16679,12 +16679,12 @@
           <a:graphicData uri="http://schemas.openxmlformats.org/presentationml/2006/ole">
             <mc:AlternateContent xmlns:mc="http://schemas.openxmlformats.org/markup-compatibility/2006">
               <mc:Choice xmlns:v="urn:schemas-microsoft-com:vml" Requires="v">
-                <p:oleObj spid="_x0000_s1026" name="Packager Shell Object" showAsIcon="1" r:id="rId3" imgW="4537440" imgH="1224000" progId="Package">
+                <p:oleObj name="Packager Shell Object" showAsIcon="1" r:id="rId2" imgW="4537440" imgH="1224000" progId="Package">
                   <p:embed/>
                 </p:oleObj>
               </mc:Choice>
               <mc:Fallback>
-                <p:oleObj name="Packager Shell Object" showAsIcon="1" r:id="rId3" imgW="4537440" imgH="1224000" progId="Package">
+                <p:oleObj name="Packager Shell Object" showAsIcon="1" r:id="rId2" imgW="4537440" imgH="1224000" progId="Package">
                   <p:embed/>
                   <p:pic>
                     <p:nvPicPr>
@@ -16693,7 +16693,7 @@
                       <p:nvPr/>
                     </p:nvPicPr>
                     <p:blipFill>
-                      <a:blip r:embed="rId4"/>
+                      <a:blip r:embed="rId3"/>
                       <a:stretch>
                         <a:fillRect/>
                       </a:stretch>
@@ -16818,6 +16818,22 @@
             <a:r>
               <a:rPr lang="en-US" dirty="0"/>
               <a:t>"C:\Program Files (x86)\Odoo 13.0\python\python" "C:\Program Files (x86)\Odoo 13.0\python\Scripts\pip.exe" install python-pptx</a:t>
+            </a:r>
+          </a:p>
+          <a:p>
+            <a:endParaRPr lang="en-US" dirty="0"/>
+          </a:p>
+          <a:p>
+            <a:r>
+              <a:rPr lang="en-US" dirty="0"/>
+              <a:t>Or UBUNTU</a:t>
+            </a:r>
+          </a:p>
+          <a:p>
+            <a:pPr lvl="1"/>
+            <a:r>
+              <a:rPr lang="en-US" dirty="0"/>
+              <a:t>pip3 install python-pptx</a:t>
             </a:r>
           </a:p>
         </p:txBody>
